--- a/Lab 6 + 7/Lab 6 bài giảng.pptx
+++ b/Lab 6 + 7/Lab 6 bài giảng.pptx
@@ -213,6 +213,58 @@
     </p:extLst>
   </p:cmAuthor>
 </p:cmAuthorLst>
+</file>
+
+<file path=ppt/changesInfos/changesInfo1.xml><?xml version="1.0" encoding="utf-8"?>
+<pc:chgInfo xmlns:a="http://schemas.openxmlformats.org/drawingml/2006/main" xmlns:r="http://schemas.openxmlformats.org/officeDocument/2006/relationships" xmlns:ac="http://schemas.microsoft.com/office/drawing/2013/main/command" xmlns:pc="http://schemas.microsoft.com/office/powerpoint/2013/main/command">
+  <pc:docChgLst>
+    <pc:chgData name="Hang Anh Le" userId="afddc9ce3bd7fde8" providerId="LiveId" clId="{804A05F1-4672-43C5-977F-8AB3B7FDB501}"/>
+    <pc:docChg chg="undo custSel modSld">
+      <pc:chgData name="Hang Anh Le" userId="afddc9ce3bd7fde8" providerId="LiveId" clId="{804A05F1-4672-43C5-977F-8AB3B7FDB501}" dt="2024-05-02T17:05:20.553" v="35"/>
+      <pc:docMkLst>
+        <pc:docMk/>
+      </pc:docMkLst>
+      <pc:sldChg chg="modSp mod">
+        <pc:chgData name="Hang Anh Le" userId="afddc9ce3bd7fde8" providerId="LiveId" clId="{804A05F1-4672-43C5-977F-8AB3B7FDB501}" dt="2024-05-02T17:00:36.974" v="12" actId="20577"/>
+        <pc:sldMkLst>
+          <pc:docMk/>
+          <pc:sldMk cId="1340241307" sldId="319"/>
+        </pc:sldMkLst>
+        <pc:spChg chg="mod">
+          <ac:chgData name="Hang Anh Le" userId="afddc9ce3bd7fde8" providerId="LiveId" clId="{804A05F1-4672-43C5-977F-8AB3B7FDB501}" dt="2024-05-02T17:00:36.974" v="12" actId="20577"/>
+          <ac:spMkLst>
+            <pc:docMk/>
+            <pc:sldMk cId="1340241307" sldId="319"/>
+            <ac:spMk id="3" creationId="{00000000-0000-0000-0000-000000000000}"/>
+          </ac:spMkLst>
+        </pc:spChg>
+      </pc:sldChg>
+      <pc:sldChg chg="addSp delSp modSp mod">
+        <pc:chgData name="Hang Anh Le" userId="afddc9ce3bd7fde8" providerId="LiveId" clId="{804A05F1-4672-43C5-977F-8AB3B7FDB501}" dt="2024-05-02T17:05:20.553" v="35"/>
+        <pc:sldMkLst>
+          <pc:docMk/>
+          <pc:sldMk cId="3286310913" sldId="353"/>
+        </pc:sldMkLst>
+        <pc:spChg chg="mod">
+          <ac:chgData name="Hang Anh Le" userId="afddc9ce3bd7fde8" providerId="LiveId" clId="{804A05F1-4672-43C5-977F-8AB3B7FDB501}" dt="2024-05-02T17:05:20.553" v="35"/>
+          <ac:spMkLst>
+            <pc:docMk/>
+            <pc:sldMk cId="3286310913" sldId="353"/>
+            <ac:spMk id="3" creationId="{00000000-0000-0000-0000-000000000000}"/>
+          </ac:spMkLst>
+        </pc:spChg>
+        <pc:spChg chg="add del">
+          <ac:chgData name="Hang Anh Le" userId="afddc9ce3bd7fde8" providerId="LiveId" clId="{804A05F1-4672-43C5-977F-8AB3B7FDB501}" dt="2024-05-02T17:05:18.776" v="33"/>
+          <ac:spMkLst>
+            <pc:docMk/>
+            <pc:sldMk cId="3286310913" sldId="353"/>
+            <ac:spMk id="4" creationId="{4BA7B324-7FB3-4CE7-81CC-8038EF957C79}"/>
+          </ac:spMkLst>
+        </pc:spChg>
+      </pc:sldChg>
+    </pc:docChg>
+  </pc:docChgLst>
+</pc:chgInfo>
 </file>
 
 <file path=ppt/handoutMasters/handoutMaster1.xml><?xml version="1.0" encoding="utf-8"?>
@@ -5670,7 +5722,12 @@
             <p:ph idx="1"/>
           </p:nvPr>
         </p:nvSpPr>
-        <p:spPr/>
+        <p:spPr>
+          <a:xfrm>
+            <a:off x="392626" y="1295401"/>
+            <a:ext cx="11406748" cy="4536548"/>
+          </a:xfrm>
+        </p:spPr>
         <p:txBody>
           <a:bodyPr>
             <a:normAutofit/>
@@ -5818,6 +5875,30 @@
             </a:r>
           </a:p>
           <a:p>
+            <a:r>
+              <a:rPr lang="en-US" altLang="en-US" dirty="0"/>
+              <a:t>N</a:t>
+            </a:r>
+            <a:r>
+              <a:rPr lang="vi-VN" altLang="en-US" dirty="0"/>
+              <a:t>ếu như tuple chỉ chứa duy nhất một giá trị thì bắt buộc bạn phải thêm một dấu </a:t>
+            </a:r>
+            <a:r>
+              <a:rPr lang="en-US" altLang="en-US" dirty="0"/>
+              <a:t>“</a:t>
+            </a:r>
+            <a:r>
+              <a:rPr lang="vi-VN" altLang="en-US" dirty="0"/>
+              <a:t>,</a:t>
+            </a:r>
+            <a:r>
+              <a:rPr lang="en-US" altLang="en-US" dirty="0"/>
+              <a:t>”</a:t>
+            </a:r>
+            <a:r>
+              <a:rPr lang="vi-VN" altLang="en-US" dirty="0"/>
+              <a:t> nữa đằng sau giá trị đó.</a:t>
+            </a:r>
             <a:endParaRPr lang="en-US" altLang="en-US" dirty="0"/>
           </a:p>
           <a:p>
@@ -7713,7 +7794,7 @@
         </p:spPr>
         <p:txBody>
           <a:bodyPr>
-            <a:normAutofit/>
+            <a:normAutofit fontScale="92500" lnSpcReduction="10000"/>
           </a:bodyPr>
           <a:lstStyle/>
           <a:p>
@@ -7895,24 +7976,9 @@
               <a:rPr lang="vi-VN" altLang="en-US" dirty="0"/>
               <a:t>Trích xuất một phần của tuple từ vị trí start đến vị trí end-1 với bước step.</a:t>
             </a:r>
-            <a:endParaRPr lang="en-US" altLang="en-US" dirty="0"/>
-          </a:p>
-          <a:p>
-            <a:r>
-              <a:rPr lang="en-US" altLang="en-US" b="1" dirty="0" err="1"/>
-              <a:t>Nối</a:t>
-            </a:r>
-            <a:r>
-              <a:rPr lang="en-US" altLang="en-US" b="1" dirty="0"/>
-              <a:t> </a:t>
-            </a:r>
-            <a:r>
-              <a:rPr lang="en-US" altLang="en-US" b="1" dirty="0" err="1"/>
-              <a:t>các</a:t>
-            </a:r>
-            <a:r>
-              <a:rPr lang="en-US" altLang="en-US" b="1" dirty="0"/>
-              <a:t> tuple</a:t>
+            <a:r>
+              <a:rPr lang="en-US" altLang="en-US" dirty="0"/>
+              <a:t> </a:t>
             </a:r>
           </a:p>
           <a:p>
@@ -7921,136 +7987,29 @@
             </a:pPr>
             <a:r>
               <a:rPr lang="en-US" altLang="en-US" dirty="0"/>
-              <a:t>+ tuple1 + tuple2 + tuple3 + ...: </a:t>
-            </a:r>
-            <a:r>
-              <a:rPr lang="en-US" altLang="en-US" dirty="0" err="1"/>
-              <a:t>Tạo</a:t>
-            </a:r>
-            <a:r>
-              <a:rPr lang="en-US" altLang="en-US" dirty="0"/>
-              <a:t> </a:t>
-            </a:r>
-            <a:r>
-              <a:rPr lang="en-US" altLang="en-US" dirty="0" err="1"/>
-              <a:t>một</a:t>
-            </a:r>
-            <a:r>
-              <a:rPr lang="en-US" altLang="en-US" dirty="0"/>
-              <a:t> tuple </a:t>
-            </a:r>
-            <a:r>
-              <a:rPr lang="en-US" altLang="en-US" dirty="0" err="1"/>
-              <a:t>mới</a:t>
-            </a:r>
-            <a:r>
-              <a:rPr lang="en-US" altLang="en-US" dirty="0"/>
-              <a:t> </a:t>
-            </a:r>
-            <a:r>
-              <a:rPr lang="en-US" altLang="en-US" dirty="0" err="1"/>
-              <a:t>chứa</a:t>
-            </a:r>
-            <a:r>
-              <a:rPr lang="en-US" altLang="en-US" dirty="0"/>
-              <a:t> </a:t>
-            </a:r>
-            <a:r>
-              <a:rPr lang="en-US" altLang="en-US" dirty="0" err="1"/>
-              <a:t>tất</a:t>
-            </a:r>
-            <a:r>
-              <a:rPr lang="en-US" altLang="en-US" dirty="0"/>
-              <a:t> </a:t>
-            </a:r>
-            <a:r>
-              <a:rPr lang="en-US" altLang="en-US" dirty="0" err="1"/>
-              <a:t>cả</a:t>
-            </a:r>
-            <a:r>
-              <a:rPr lang="en-US" altLang="en-US" dirty="0"/>
-              <a:t> </a:t>
-            </a:r>
-            <a:r>
-              <a:rPr lang="en-US" altLang="en-US" dirty="0" err="1"/>
+              <a:t>+ </a:t>
+            </a:r>
+            <a:r>
+              <a:rPr lang="vi-VN" altLang="en-US" dirty="0"/>
+              <a:t>index(value): Phương thức này trả về chỉ mục (index) đầu tiên của một giá trị value trong tuple.</a:t>
+            </a:r>
+            <a:endParaRPr lang="en-US" altLang="en-US" dirty="0"/>
+          </a:p>
+          <a:p>
+            <a:r>
+              <a:rPr lang="en-US" altLang="en-US" b="1" dirty="0" err="1"/>
+              <a:t>Nối</a:t>
+            </a:r>
+            <a:r>
+              <a:rPr lang="en-US" altLang="en-US" b="1" dirty="0"/>
+              <a:t> </a:t>
+            </a:r>
+            <a:r>
+              <a:rPr lang="en-US" altLang="en-US" b="1" dirty="0" err="1"/>
               <a:t>các</a:t>
             </a:r>
             <a:r>
-              <a:rPr lang="en-US" altLang="en-US" dirty="0"/>
-              <a:t> </a:t>
-            </a:r>
-            <a:r>
-              <a:rPr lang="en-US" altLang="en-US" dirty="0" err="1"/>
-              <a:t>phần</a:t>
-            </a:r>
-            <a:r>
-              <a:rPr lang="en-US" altLang="en-US" dirty="0"/>
-              <a:t> </a:t>
-            </a:r>
-            <a:r>
-              <a:rPr lang="en-US" altLang="en-US" dirty="0" err="1"/>
-              <a:t>tử</a:t>
-            </a:r>
-            <a:r>
-              <a:rPr lang="en-US" altLang="en-US" dirty="0"/>
-              <a:t> </a:t>
-            </a:r>
-            <a:r>
-              <a:rPr lang="en-US" altLang="en-US" dirty="0" err="1"/>
-              <a:t>từ</a:t>
-            </a:r>
-            <a:r>
-              <a:rPr lang="en-US" altLang="en-US" dirty="0"/>
-              <a:t> </a:t>
-            </a:r>
-            <a:r>
-              <a:rPr lang="en-US" altLang="en-US" dirty="0" err="1"/>
-              <a:t>các</a:t>
-            </a:r>
-            <a:r>
-              <a:rPr lang="en-US" altLang="en-US" dirty="0"/>
-              <a:t> tuple ban </a:t>
-            </a:r>
-            <a:r>
-              <a:rPr lang="en-US" altLang="en-US" dirty="0" err="1"/>
-              <a:t>đầu</a:t>
-            </a:r>
-            <a:r>
-              <a:rPr lang="en-US" altLang="en-US" dirty="0"/>
-              <a:t>.</a:t>
-            </a:r>
-          </a:p>
-          <a:p>
-            <a:r>
-              <a:rPr lang="en-GB" altLang="en-US" b="1" dirty="0" err="1"/>
-              <a:t>Đếm</a:t>
-            </a:r>
-            <a:r>
-              <a:rPr lang="en-GB" altLang="en-US" b="1" dirty="0"/>
-              <a:t> </a:t>
-            </a:r>
-            <a:r>
-              <a:rPr lang="en-GB" altLang="en-US" b="1" dirty="0" err="1"/>
-              <a:t>phần</a:t>
-            </a:r>
-            <a:r>
-              <a:rPr lang="en-GB" altLang="en-US" b="1" dirty="0"/>
-              <a:t> </a:t>
-            </a:r>
-            <a:r>
-              <a:rPr lang="en-GB" altLang="en-US" b="1" dirty="0" err="1"/>
-              <a:t>tử</a:t>
-            </a:r>
-            <a:r>
-              <a:rPr lang="en-GB" altLang="en-US" b="1" dirty="0"/>
-              <a:t> </a:t>
-            </a:r>
-            <a:r>
-              <a:rPr lang="en-GB" altLang="en-US" b="1" dirty="0" err="1"/>
-              <a:t>trong</a:t>
-            </a:r>
-            <a:r>
-              <a:rPr lang="en-GB" altLang="en-US" b="1" dirty="0"/>
+              <a:rPr lang="en-US" altLang="en-US" b="1" dirty="0"/>
               <a:t> tuple</a:t>
             </a:r>
           </a:p>
@@ -8059,6 +8018,145 @@
               <a:buNone/>
             </a:pPr>
             <a:r>
+              <a:rPr lang="en-US" altLang="en-US" dirty="0"/>
+              <a:t>+ tuple1 + tuple2 + tuple3 + ...: </a:t>
+            </a:r>
+            <a:r>
+              <a:rPr lang="en-US" altLang="en-US" dirty="0" err="1"/>
+              <a:t>Tạo</a:t>
+            </a:r>
+            <a:r>
+              <a:rPr lang="en-US" altLang="en-US" dirty="0"/>
+              <a:t> </a:t>
+            </a:r>
+            <a:r>
+              <a:rPr lang="en-US" altLang="en-US" dirty="0" err="1"/>
+              <a:t>một</a:t>
+            </a:r>
+            <a:r>
+              <a:rPr lang="en-US" altLang="en-US" dirty="0"/>
+              <a:t> tuple </a:t>
+            </a:r>
+            <a:r>
+              <a:rPr lang="en-US" altLang="en-US" dirty="0" err="1"/>
+              <a:t>mới</a:t>
+            </a:r>
+            <a:r>
+              <a:rPr lang="en-US" altLang="en-US" dirty="0"/>
+              <a:t> </a:t>
+            </a:r>
+            <a:r>
+              <a:rPr lang="en-US" altLang="en-US" dirty="0" err="1"/>
+              <a:t>chứa</a:t>
+            </a:r>
+            <a:r>
+              <a:rPr lang="en-US" altLang="en-US" dirty="0"/>
+              <a:t> </a:t>
+            </a:r>
+            <a:r>
+              <a:rPr lang="en-US" altLang="en-US" dirty="0" err="1"/>
+              <a:t>tất</a:t>
+            </a:r>
+            <a:r>
+              <a:rPr lang="en-US" altLang="en-US" dirty="0"/>
+              <a:t> </a:t>
+            </a:r>
+            <a:r>
+              <a:rPr lang="en-US" altLang="en-US" dirty="0" err="1"/>
+              <a:t>cả</a:t>
+            </a:r>
+            <a:r>
+              <a:rPr lang="en-US" altLang="en-US" dirty="0"/>
+              <a:t> </a:t>
+            </a:r>
+            <a:r>
+              <a:rPr lang="en-US" altLang="en-US" dirty="0" err="1"/>
+              <a:t>các</a:t>
+            </a:r>
+            <a:r>
+              <a:rPr lang="en-US" altLang="en-US" dirty="0"/>
+              <a:t> </a:t>
+            </a:r>
+            <a:r>
+              <a:rPr lang="en-US" altLang="en-US" dirty="0" err="1"/>
+              <a:t>phần</a:t>
+            </a:r>
+            <a:r>
+              <a:rPr lang="en-US" altLang="en-US" dirty="0"/>
+              <a:t> </a:t>
+            </a:r>
+            <a:r>
+              <a:rPr lang="en-US" altLang="en-US" dirty="0" err="1"/>
+              <a:t>tử</a:t>
+            </a:r>
+            <a:r>
+              <a:rPr lang="en-US" altLang="en-US" dirty="0"/>
+              <a:t> </a:t>
+            </a:r>
+            <a:r>
+              <a:rPr lang="en-US" altLang="en-US" dirty="0" err="1"/>
+              <a:t>từ</a:t>
+            </a:r>
+            <a:r>
+              <a:rPr lang="en-US" altLang="en-US" dirty="0"/>
+              <a:t> </a:t>
+            </a:r>
+            <a:r>
+              <a:rPr lang="en-US" altLang="en-US" dirty="0" err="1"/>
+              <a:t>các</a:t>
+            </a:r>
+            <a:r>
+              <a:rPr lang="en-US" altLang="en-US" dirty="0"/>
+              <a:t> tuple ban </a:t>
+            </a:r>
+            <a:r>
+              <a:rPr lang="en-US" altLang="en-US" dirty="0" err="1"/>
+              <a:t>đầu</a:t>
+            </a:r>
+            <a:r>
+              <a:rPr lang="en-US" altLang="en-US" dirty="0"/>
+              <a:t>.</a:t>
+            </a:r>
+          </a:p>
+          <a:p>
+            <a:r>
+              <a:rPr lang="en-GB" altLang="en-US" b="1" dirty="0" err="1"/>
+              <a:t>Đếm</a:t>
+            </a:r>
+            <a:r>
+              <a:rPr lang="en-GB" altLang="en-US" b="1" dirty="0"/>
+              <a:t> </a:t>
+            </a:r>
+            <a:r>
+              <a:rPr lang="en-GB" altLang="en-US" b="1" dirty="0" err="1"/>
+              <a:t>phần</a:t>
+            </a:r>
+            <a:r>
+              <a:rPr lang="en-GB" altLang="en-US" b="1" dirty="0"/>
+              <a:t> </a:t>
+            </a:r>
+            <a:r>
+              <a:rPr lang="en-GB" altLang="en-US" b="1" dirty="0" err="1"/>
+              <a:t>tử</a:t>
+            </a:r>
+            <a:r>
+              <a:rPr lang="en-GB" altLang="en-US" b="1" dirty="0"/>
+              <a:t> </a:t>
+            </a:r>
+            <a:r>
+              <a:rPr lang="en-GB" altLang="en-US" b="1" dirty="0" err="1"/>
+              <a:t>trong</a:t>
+            </a:r>
+            <a:r>
+              <a:rPr lang="en-GB" altLang="en-US" b="1" dirty="0"/>
+              <a:t> tuple</a:t>
+            </a:r>
+          </a:p>
+          <a:p>
+            <a:pPr marL="0" indent="0">
+              <a:buNone/>
+            </a:pPr>
+            <a:r>
               <a:rPr lang="en-GB" altLang="en-US" dirty="0"/>
               <a:t>+ </a:t>
             </a:r>
@@ -8094,6 +8192,20 @@
               <a:rPr lang="en-GB" altLang="en-US" dirty="0"/>
               <a:t>) </a:t>
             </a:r>
+          </a:p>
+          <a:p>
+            <a:pPr marL="0" indent="0">
+              <a:buNone/>
+            </a:pPr>
+            <a:r>
+              <a:rPr lang="en-GB" altLang="en-US" dirty="0"/>
+              <a:t>+ </a:t>
+            </a:r>
+            <a:r>
+              <a:rPr lang="vi-VN" altLang="en-US" dirty="0"/>
+              <a:t>count(value): Phương thức này trả về số lần xuất hiện của một giá trị value trong tuple.</a:t>
+            </a:r>
+            <a:endParaRPr lang="en-GB" altLang="en-US" dirty="0"/>
           </a:p>
           <a:p>
             <a:r>
@@ -22946,23 +23058,7 @@
             </a:r>
             <a:r>
               <a:rPr lang="vi-VN" dirty="0"/>
-              <a:t> gồm n</a:t>
-            </a:r>
-            <a:r>
-              <a:rPr lang="en-US" dirty="0"/>
-              <a:t> </a:t>
-            </a:r>
-            <a:r>
-              <a:rPr lang="vi-VN" dirty="0"/>
-              <a:t>=</a:t>
-            </a:r>
-            <a:r>
-              <a:rPr lang="en-US" dirty="0"/>
-              <a:t> </a:t>
-            </a:r>
-            <a:r>
-              <a:rPr lang="vi-VN" dirty="0"/>
-              <a:t>10 phần tử.</a:t>
+              <a:t> gồm n=10 phần tử.</a:t>
             </a:r>
           </a:p>
           <a:p>
@@ -23060,12 +23156,9 @@
             </a:r>
             <a:r>
               <a:rPr lang="vi-VN" dirty="0"/>
-              <a:t> Tìm phần tử lớn nhất của danh sách và vị trí phần tử lớn nhất</a:t>
-            </a:r>
-            <a:r>
-              <a:rPr lang="en-US" dirty="0"/>
-              <a:t>.</a:t>
-            </a:r>
+              <a:t> Tìm phần tử lớn nhất của danh sách và vị trí phần tử lớn nhất cuối cùng</a:t>
+            </a:r>
+            <a:endParaRPr lang="en-US" dirty="0"/>
           </a:p>
         </p:txBody>
       </p:sp>
@@ -23551,25 +23644,7 @@
               <a:rPr lang="vi-VN" altLang="en-US" dirty="0">
                 <a:ea typeface="Arial" charset="0"/>
               </a:rPr>
-              <a:t>Viết chương trình nhập vào một danh sách các phần tử là số </a:t>
-            </a:r>
-            <a:r>
-              <a:rPr lang="en-US" altLang="en-US" dirty="0" err="1">
-                <a:ea typeface="Arial" charset="0"/>
-              </a:rPr>
-              <a:t>nguyên</a:t>
-            </a:r>
-            <a:r>
-              <a:rPr lang="en-US" altLang="en-US" dirty="0">
-                <a:ea typeface="Arial" charset="0"/>
-              </a:rPr>
-              <a:t> </a:t>
-            </a:r>
-            <a:r>
-              <a:rPr lang="vi-VN" altLang="en-US" dirty="0">
-                <a:ea typeface="Arial" charset="0"/>
-              </a:rPr>
-              <a:t>với số phần tử bằng n</a:t>
+              <a:t>Viết chương trình nhập vào một danh sách các phần tử là số tự nhiên với số phần tử bằng n</a:t>
             </a:r>
             <a:r>
               <a:rPr lang="en-US" altLang="en-US" dirty="0">
@@ -23616,89 +23691,8 @@
               <a:rPr lang="vi-VN" altLang="en-US" dirty="0">
                 <a:ea typeface="Arial" charset="0"/>
               </a:rPr>
-              <a:t> Viết chương trình Python tìm phần tử lớn thứ hai của danh sách và</a:t>
-            </a:r>
-            <a:r>
-              <a:rPr lang="en-US" altLang="en-US" dirty="0">
-                <a:ea typeface="Arial" charset="0"/>
-              </a:rPr>
-              <a:t> in ra </a:t>
-            </a:r>
-            <a:r>
-              <a:rPr lang="en-US" altLang="en-US" dirty="0" err="1">
-                <a:ea typeface="Arial" charset="0"/>
-              </a:rPr>
-              <a:t>vị</a:t>
-            </a:r>
-            <a:r>
-              <a:rPr lang="en-US" altLang="en-US" dirty="0">
-                <a:ea typeface="Arial" charset="0"/>
-              </a:rPr>
-              <a:t> </a:t>
-            </a:r>
-            <a:r>
-              <a:rPr lang="en-US" altLang="en-US" dirty="0" err="1">
-                <a:ea typeface="Arial" charset="0"/>
-              </a:rPr>
-              <a:t>trí</a:t>
-            </a:r>
-            <a:r>
-              <a:rPr lang="en-US" altLang="en-US" dirty="0">
-                <a:ea typeface="Arial" charset="0"/>
-              </a:rPr>
-              <a:t> </a:t>
-            </a:r>
-            <a:r>
-              <a:rPr lang="en-US" altLang="en-US" dirty="0" err="1">
-                <a:ea typeface="Arial" charset="0"/>
-              </a:rPr>
-              <a:t>của</a:t>
-            </a:r>
-            <a:r>
-              <a:rPr lang="en-US" altLang="en-US" dirty="0">
-                <a:ea typeface="Arial" charset="0"/>
-              </a:rPr>
-              <a:t> </a:t>
-            </a:r>
-            <a:r>
-              <a:rPr lang="en-US" altLang="en-US" dirty="0" err="1">
-                <a:ea typeface="Arial" charset="0"/>
-              </a:rPr>
-              <a:t>phần</a:t>
-            </a:r>
-            <a:r>
-              <a:rPr lang="en-US" altLang="en-US" dirty="0">
-                <a:ea typeface="Arial" charset="0"/>
-              </a:rPr>
-              <a:t> </a:t>
-            </a:r>
-            <a:r>
-              <a:rPr lang="en-US" altLang="en-US" dirty="0" err="1">
-                <a:ea typeface="Arial" charset="0"/>
-              </a:rPr>
-              <a:t>tử</a:t>
-            </a:r>
-            <a:r>
-              <a:rPr lang="en-US" altLang="en-US" dirty="0">
-                <a:ea typeface="Arial" charset="0"/>
-              </a:rPr>
-              <a:t> </a:t>
-            </a:r>
-            <a:r>
-              <a:rPr lang="en-US" altLang="en-US" dirty="0" err="1">
-                <a:ea typeface="Arial" charset="0"/>
-              </a:rPr>
-              <a:t>đó</a:t>
-            </a:r>
-            <a:r>
-              <a:rPr lang="en-US" altLang="en-US" dirty="0">
-                <a:ea typeface="Arial" charset="0"/>
-              </a:rPr>
-              <a:t>.</a:t>
-            </a:r>
-            <a:endParaRPr lang="vi-VN" altLang="en-US" dirty="0">
-              <a:ea typeface="Arial" charset="0"/>
-            </a:endParaRPr>
+              <a:t> Viết chương trình Python tìm phần tử lớn thứ hai của danh sách và vị trí của phần tử đạt giá trị lớn thứ hai.</a:t>
+            </a:r>
           </a:p>
           <a:p>
             <a:pPr marL="0" indent="0">
@@ -25447,32 +25441,28 @@
               <a:t> </a:t>
             </a:r>
             <a:r>
-              <a:rPr lang="en-US" altLang="en-US" b="1" dirty="0" err="1"/>
+              <a:rPr lang="en-US" altLang="en-US" dirty="0" err="1"/>
               <a:t>dấu</a:t>
             </a:r>
             <a:r>
-              <a:rPr lang="en-US" altLang="en-US" b="1" dirty="0"/>
-              <a:t> </a:t>
-            </a:r>
-            <a:r>
-              <a:rPr lang="en-US" altLang="en-US" b="1" dirty="0" err="1"/>
+              <a:rPr lang="en-US" altLang="en-US" dirty="0"/>
+              <a:t> </a:t>
+            </a:r>
+            <a:r>
+              <a:rPr lang="en-US" altLang="en-US" dirty="0" err="1"/>
               <a:t>ngoặc</a:t>
             </a:r>
             <a:r>
-              <a:rPr lang="en-US" altLang="en-US" b="1" dirty="0"/>
-              <a:t> </a:t>
-            </a:r>
-            <a:r>
-              <a:rPr lang="en-US" altLang="en-US" b="1" dirty="0" err="1"/>
+              <a:rPr lang="en-US" altLang="en-US" dirty="0"/>
+              <a:t> </a:t>
+            </a:r>
+            <a:r>
+              <a:rPr lang="en-US" altLang="en-US" dirty="0" err="1"/>
               <a:t>vuông</a:t>
             </a:r>
             <a:r>
-              <a:rPr lang="en-US" altLang="en-US" b="1" dirty="0"/>
-              <a:t> []</a:t>
-            </a:r>
-            <a:r>
               <a:rPr lang="en-US" altLang="en-US" dirty="0"/>
-              <a:t>, </a:t>
+              <a:t> [], </a:t>
             </a:r>
             <a:r>
               <a:rPr lang="en-US" altLang="en-US" dirty="0" err="1"/>
@@ -25515,15 +25505,15 @@
               <a:t> </a:t>
             </a:r>
             <a:r>
-              <a:rPr lang="en-US" altLang="en-US" b="1" dirty="0" err="1"/>
+              <a:rPr lang="en-US" altLang="en-US" dirty="0" err="1"/>
               <a:t>dấu</a:t>
             </a:r>
             <a:r>
-              <a:rPr lang="en-US" altLang="en-US" b="1" dirty="0"/>
-              <a:t> </a:t>
-            </a:r>
-            <a:r>
-              <a:rPr lang="en-US" altLang="en-US" b="1" dirty="0" err="1"/>
+              <a:rPr lang="en-US" altLang="en-US" dirty="0"/>
+              <a:t> </a:t>
+            </a:r>
+            <a:r>
+              <a:rPr lang="en-US" altLang="en-US" dirty="0" err="1"/>
               <a:t>phẩy</a:t>
             </a:r>
             <a:r>
@@ -26992,19 +26982,7 @@
               <a:rPr lang="vi-VN" altLang="en-US" dirty="0">
                 <a:ea typeface="Arial" charset="0"/>
               </a:rPr>
-              <a:t> Chọn ra phần t</a:t>
-            </a:r>
-            <a:r>
-              <a:rPr lang="en-US" altLang="en-US" dirty="0">
-                <a:ea typeface="Arial" charset="0"/>
-              </a:rPr>
-              <a:t>ử</a:t>
-            </a:r>
-            <a:r>
-              <a:rPr lang="vi-VN" altLang="en-US" dirty="0">
-                <a:ea typeface="Arial" charset="0"/>
-              </a:rPr>
-              <a:t> thứ hai, thuộc vị trí thứ 3 của sublist.</a:t>
+              <a:t> Chọn ra phần từ thứ hai, thuộc vị trí thứ 3 của sublist.</a:t>
             </a:r>
             <a:endParaRPr lang="en-US" altLang="en-US" dirty="0">
               <a:ea typeface="Arial" charset="0"/>
@@ -28074,399 +28052,6 @@
               <a:ea typeface="Arial" charset="0"/>
             </a:endParaRPr>
           </a:p>
-          <a:p>
-            <a:pPr marL="0" indent="0">
-              <a:spcBef>
-                <a:spcPts val="725"/>
-              </a:spcBef>
-              <a:spcAft>
-                <a:spcPts val="725"/>
-              </a:spcAft>
-              <a:buNone/>
-            </a:pPr>
-            <a:r>
-              <a:rPr lang="en-US" altLang="en-US" b="1" dirty="0" err="1">
-                <a:ea typeface="Arial" charset="0"/>
-              </a:rPr>
-              <a:t>Câu</a:t>
-            </a:r>
-            <a:r>
-              <a:rPr lang="en-US" altLang="en-US" b="1" dirty="0">
-                <a:ea typeface="Arial" charset="0"/>
-              </a:rPr>
-              <a:t> </a:t>
-            </a:r>
-            <a:r>
-              <a:rPr lang="en-US" altLang="en-US" b="1" dirty="0" err="1">
-                <a:ea typeface="Arial" charset="0"/>
-              </a:rPr>
-              <a:t>lệnh</a:t>
-            </a:r>
-            <a:r>
-              <a:rPr lang="en-US" altLang="en-US" b="1" dirty="0">
-                <a:ea typeface="Arial" charset="0"/>
-              </a:rPr>
-              <a:t>: </a:t>
-            </a:r>
-            <a:r>
-              <a:rPr lang="en-US" altLang="en-US" dirty="0">
-                <a:ea typeface="Arial" charset="0"/>
-              </a:rPr>
-              <a:t>assert condition, message</a:t>
-            </a:r>
-          </a:p>
-          <a:p>
-            <a:pPr marL="0" indent="0">
-              <a:spcBef>
-                <a:spcPts val="725"/>
-              </a:spcBef>
-              <a:spcAft>
-                <a:spcPts val="725"/>
-              </a:spcAft>
-              <a:buNone/>
-            </a:pPr>
-            <a:r>
-              <a:rPr lang="en-US" altLang="en-US" dirty="0" err="1">
-                <a:ea typeface="Arial" charset="0"/>
-              </a:rPr>
-              <a:t>Trong</a:t>
-            </a:r>
-            <a:r>
-              <a:rPr lang="en-US" altLang="en-US" dirty="0">
-                <a:ea typeface="Arial" charset="0"/>
-              </a:rPr>
-              <a:t> </a:t>
-            </a:r>
-            <a:r>
-              <a:rPr lang="en-US" altLang="en-US" dirty="0" err="1">
-                <a:ea typeface="Arial" charset="0"/>
-              </a:rPr>
-              <a:t>đó</a:t>
-            </a:r>
-            <a:r>
-              <a:rPr lang="en-US" altLang="en-US" dirty="0">
-                <a:ea typeface="Arial" charset="0"/>
-              </a:rPr>
-              <a:t>:</a:t>
-            </a:r>
-          </a:p>
-          <a:p>
-            <a:pPr marL="0" indent="0">
-              <a:spcBef>
-                <a:spcPts val="725"/>
-              </a:spcBef>
-              <a:spcAft>
-                <a:spcPts val="725"/>
-              </a:spcAft>
-              <a:buNone/>
-            </a:pPr>
-            <a:r>
-              <a:rPr lang="en-US" altLang="en-US" dirty="0">
-                <a:ea typeface="Arial" charset="0"/>
-              </a:rPr>
-              <a:t>Condition: </a:t>
-            </a:r>
-            <a:r>
-              <a:rPr lang="en-US" altLang="en-US" dirty="0" err="1">
-                <a:ea typeface="Arial" charset="0"/>
-              </a:rPr>
-              <a:t>là</a:t>
-            </a:r>
-            <a:r>
-              <a:rPr lang="en-US" altLang="en-US" dirty="0">
-                <a:ea typeface="Arial" charset="0"/>
-              </a:rPr>
-              <a:t> </a:t>
-            </a:r>
-            <a:r>
-              <a:rPr lang="en-US" altLang="en-US" dirty="0" err="1">
-                <a:ea typeface="Arial" charset="0"/>
-              </a:rPr>
-              <a:t>một</a:t>
-            </a:r>
-            <a:r>
-              <a:rPr lang="en-US" altLang="en-US" dirty="0">
-                <a:ea typeface="Arial" charset="0"/>
-              </a:rPr>
-              <a:t> </a:t>
-            </a:r>
-            <a:r>
-              <a:rPr lang="en-US" altLang="en-US" dirty="0" err="1">
-                <a:ea typeface="Arial" charset="0"/>
-              </a:rPr>
-              <a:t>biểu</a:t>
-            </a:r>
-            <a:r>
-              <a:rPr lang="en-US" altLang="en-US" dirty="0">
-                <a:ea typeface="Arial" charset="0"/>
-              </a:rPr>
-              <a:t> </a:t>
-            </a:r>
-            <a:r>
-              <a:rPr lang="en-US" altLang="en-US" dirty="0" err="1">
-                <a:ea typeface="Arial" charset="0"/>
-              </a:rPr>
-              <a:t>thức</a:t>
-            </a:r>
-            <a:r>
-              <a:rPr lang="en-US" altLang="en-US" dirty="0">
-                <a:ea typeface="Arial" charset="0"/>
-              </a:rPr>
-              <a:t> </a:t>
-            </a:r>
-            <a:r>
-              <a:rPr lang="en-US" altLang="en-US" dirty="0" err="1">
-                <a:ea typeface="Arial" charset="0"/>
-              </a:rPr>
-              <a:t>hoặc</a:t>
-            </a:r>
-            <a:r>
-              <a:rPr lang="en-US" altLang="en-US" dirty="0">
-                <a:ea typeface="Arial" charset="0"/>
-              </a:rPr>
-              <a:t> </a:t>
-            </a:r>
-            <a:r>
-              <a:rPr lang="en-US" altLang="en-US" dirty="0" err="1">
-                <a:ea typeface="Arial" charset="0"/>
-              </a:rPr>
-              <a:t>giá</a:t>
-            </a:r>
-            <a:r>
-              <a:rPr lang="en-US" altLang="en-US" dirty="0">
-                <a:ea typeface="Arial" charset="0"/>
-              </a:rPr>
-              <a:t> </a:t>
-            </a:r>
-            <a:r>
-              <a:rPr lang="en-US" altLang="en-US" dirty="0" err="1">
-                <a:ea typeface="Arial" charset="0"/>
-              </a:rPr>
-              <a:t>trị</a:t>
-            </a:r>
-            <a:r>
-              <a:rPr lang="en-US" altLang="en-US" dirty="0">
-                <a:ea typeface="Arial" charset="0"/>
-              </a:rPr>
-              <a:t> Boolean</a:t>
-            </a:r>
-          </a:p>
-          <a:p>
-            <a:pPr marL="0" indent="0">
-              <a:spcBef>
-                <a:spcPts val="725"/>
-              </a:spcBef>
-              <a:spcAft>
-                <a:spcPts val="725"/>
-              </a:spcAft>
-              <a:buNone/>
-            </a:pPr>
-            <a:r>
-              <a:rPr lang="en-US" altLang="en-US" dirty="0">
-                <a:ea typeface="Arial" charset="0"/>
-              </a:rPr>
-              <a:t>Message: </a:t>
-            </a:r>
-            <a:r>
-              <a:rPr lang="en-US" altLang="en-US" dirty="0" err="1">
-                <a:ea typeface="Arial" charset="0"/>
-              </a:rPr>
-              <a:t>chuỗi</a:t>
-            </a:r>
-            <a:r>
-              <a:rPr lang="en-US" altLang="en-US" dirty="0">
-                <a:ea typeface="Arial" charset="0"/>
-              </a:rPr>
-              <a:t> </a:t>
-            </a:r>
-            <a:r>
-              <a:rPr lang="en-US" altLang="en-US" dirty="0" err="1">
-                <a:ea typeface="Arial" charset="0"/>
-              </a:rPr>
-              <a:t>thông</a:t>
-            </a:r>
-            <a:r>
-              <a:rPr lang="en-US" altLang="en-US" dirty="0">
-                <a:ea typeface="Arial" charset="0"/>
-              </a:rPr>
-              <a:t> </a:t>
-            </a:r>
-            <a:r>
-              <a:rPr lang="en-US" altLang="en-US" dirty="0" err="1">
-                <a:ea typeface="Arial" charset="0"/>
-              </a:rPr>
-              <a:t>báo</a:t>
-            </a:r>
-            <a:r>
-              <a:rPr lang="en-US" altLang="en-US" dirty="0">
-                <a:ea typeface="Arial" charset="0"/>
-              </a:rPr>
-              <a:t> </a:t>
-            </a:r>
-            <a:r>
-              <a:rPr lang="en-US" altLang="en-US" dirty="0" err="1">
-                <a:ea typeface="Arial" charset="0"/>
-              </a:rPr>
-              <a:t>lỗi</a:t>
-            </a:r>
-            <a:r>
-              <a:rPr lang="en-US" altLang="en-US" dirty="0">
-                <a:ea typeface="Arial" charset="0"/>
-              </a:rPr>
-              <a:t>, </a:t>
-            </a:r>
-            <a:r>
-              <a:rPr lang="en-US" altLang="en-US" dirty="0" err="1">
-                <a:ea typeface="Arial" charset="0"/>
-              </a:rPr>
-              <a:t>nếu</a:t>
-            </a:r>
-            <a:r>
-              <a:rPr lang="en-US" altLang="en-US" dirty="0">
-                <a:ea typeface="Arial" charset="0"/>
-              </a:rPr>
-              <a:t> </a:t>
-            </a:r>
-            <a:r>
-              <a:rPr lang="en-US" altLang="en-US" dirty="0" err="1">
-                <a:ea typeface="Arial" charset="0"/>
-              </a:rPr>
-              <a:t>đều</a:t>
-            </a:r>
-            <a:r>
-              <a:rPr lang="en-US" altLang="en-US" dirty="0">
-                <a:ea typeface="Arial" charset="0"/>
-              </a:rPr>
-              <a:t> </a:t>
-            </a:r>
-            <a:r>
-              <a:rPr lang="en-US" altLang="en-US" dirty="0" err="1">
-                <a:ea typeface="Arial" charset="0"/>
-              </a:rPr>
-              <a:t>kiện</a:t>
-            </a:r>
-            <a:r>
-              <a:rPr lang="en-US" altLang="en-US" dirty="0">
-                <a:ea typeface="Arial" charset="0"/>
-              </a:rPr>
-              <a:t> </a:t>
-            </a:r>
-            <a:r>
-              <a:rPr lang="en-US" altLang="en-US" dirty="0" err="1">
-                <a:ea typeface="Arial" charset="0"/>
-              </a:rPr>
-              <a:t>sai</a:t>
-            </a:r>
-            <a:endParaRPr lang="en-US" altLang="en-US" dirty="0">
-              <a:ea typeface="Arial" charset="0"/>
-            </a:endParaRPr>
-          </a:p>
-          <a:p>
-            <a:pPr marL="0" indent="0">
-              <a:spcBef>
-                <a:spcPts val="725"/>
-              </a:spcBef>
-              <a:spcAft>
-                <a:spcPts val="725"/>
-              </a:spcAft>
-              <a:buNone/>
-            </a:pPr>
-            <a:r>
-              <a:rPr lang="en-US" altLang="en-US" dirty="0">
-                <a:ea typeface="Arial" charset="0"/>
-              </a:rPr>
-              <a:t>x = 5 </a:t>
-            </a:r>
-          </a:p>
-          <a:p>
-            <a:pPr marL="0" indent="0">
-              <a:spcBef>
-                <a:spcPts val="725"/>
-              </a:spcBef>
-              <a:spcAft>
-                <a:spcPts val="725"/>
-              </a:spcAft>
-              <a:buNone/>
-            </a:pPr>
-            <a:r>
-              <a:rPr lang="en-US" altLang="en-US" dirty="0">
-                <a:ea typeface="Arial" charset="0"/>
-              </a:rPr>
-              <a:t>assert x &gt; 0, “</a:t>
-            </a:r>
-            <a:r>
-              <a:rPr lang="en-US" altLang="en-US" dirty="0" err="1">
-                <a:ea typeface="Arial" charset="0"/>
-              </a:rPr>
-              <a:t>Giá</a:t>
-            </a:r>
-            <a:r>
-              <a:rPr lang="en-US" altLang="en-US" dirty="0">
-                <a:ea typeface="Arial" charset="0"/>
-              </a:rPr>
-              <a:t> </a:t>
-            </a:r>
-            <a:r>
-              <a:rPr lang="en-US" altLang="en-US" dirty="0" err="1">
-                <a:ea typeface="Arial" charset="0"/>
-              </a:rPr>
-              <a:t>trị</a:t>
-            </a:r>
-            <a:r>
-              <a:rPr lang="en-US" altLang="en-US" dirty="0">
-                <a:ea typeface="Arial" charset="0"/>
-              </a:rPr>
-              <a:t> </a:t>
-            </a:r>
-            <a:r>
-              <a:rPr lang="en-US" altLang="en-US" dirty="0" err="1">
-                <a:ea typeface="Arial" charset="0"/>
-              </a:rPr>
-              <a:t>của</a:t>
-            </a:r>
-            <a:r>
-              <a:rPr lang="en-US" altLang="en-US" dirty="0">
-                <a:ea typeface="Arial" charset="0"/>
-              </a:rPr>
-              <a:t> x </a:t>
-            </a:r>
-            <a:r>
-              <a:rPr lang="en-US" altLang="en-US" dirty="0" err="1">
-                <a:ea typeface="Arial" charset="0"/>
-              </a:rPr>
-              <a:t>là</a:t>
-            </a:r>
-            <a:r>
-              <a:rPr lang="en-US" altLang="en-US" dirty="0">
-                <a:ea typeface="Arial" charset="0"/>
-              </a:rPr>
-              <a:t> </a:t>
-            </a:r>
-            <a:r>
-              <a:rPr lang="en-US" altLang="en-US" dirty="0" err="1">
-                <a:ea typeface="Arial" charset="0"/>
-              </a:rPr>
-              <a:t>số</a:t>
-            </a:r>
-            <a:r>
-              <a:rPr lang="en-US" altLang="en-US" dirty="0">
-                <a:ea typeface="Arial" charset="0"/>
-              </a:rPr>
-              <a:t> </a:t>
-            </a:r>
-            <a:r>
-              <a:rPr lang="en-US" altLang="en-US" dirty="0" err="1">
-                <a:ea typeface="Arial" charset="0"/>
-              </a:rPr>
-              <a:t>dương</a:t>
-            </a:r>
-            <a:r>
-              <a:rPr lang="en-US" altLang="en-US" dirty="0">
-                <a:ea typeface="Arial" charset="0"/>
-              </a:rPr>
-              <a:t>”</a:t>
-            </a:r>
-          </a:p>
         </p:txBody>
       </p:sp>
       <p:sp>
@@ -32471,32 +32056,28 @@
               <a:t> </a:t>
             </a:r>
             <a:r>
-              <a:rPr lang="en-US" altLang="en-US" b="1" dirty="0" err="1"/>
+              <a:rPr lang="en-US" altLang="en-US" dirty="0" err="1"/>
               <a:t>độ</a:t>
             </a:r>
             <a:r>
-              <a:rPr lang="en-US" altLang="en-US" b="1" dirty="0"/>
-              <a:t> </a:t>
-            </a:r>
-            <a:r>
-              <a:rPr lang="en-US" altLang="en-US" b="1" dirty="0" err="1"/>
+              <a:rPr lang="en-US" altLang="en-US" dirty="0"/>
+              <a:t> </a:t>
+            </a:r>
+            <a:r>
+              <a:rPr lang="en-US" altLang="en-US" dirty="0" err="1"/>
               <a:t>dài</a:t>
             </a:r>
             <a:r>
-              <a:rPr lang="en-US" altLang="en-US" b="1" dirty="0"/>
-              <a:t> </a:t>
-            </a:r>
-            <a:r>
-              <a:rPr lang="en-US" altLang="en-US" b="1" dirty="0" err="1"/>
+              <a:rPr lang="en-US" altLang="en-US" dirty="0"/>
+              <a:t> </a:t>
+            </a:r>
+            <a:r>
+              <a:rPr lang="en-US" altLang="en-US" dirty="0" err="1"/>
               <a:t>của</a:t>
             </a:r>
             <a:r>
-              <a:rPr lang="en-US" altLang="en-US" b="1" dirty="0"/>
-              <a:t> list</a:t>
-            </a:r>
-            <a:r>
               <a:rPr lang="en-US" altLang="en-US" dirty="0"/>
-              <a:t>: </a:t>
+              <a:t> list: </a:t>
             </a:r>
             <a:r>
               <a:rPr lang="en-US" altLang="en-US" dirty="0" err="1"/>
@@ -32539,11 +32120,11 @@
               <a:t> </a:t>
             </a:r>
             <a:r>
-              <a:rPr lang="en-US" altLang="en-US" b="1" dirty="0" err="1"/>
+              <a:rPr lang="en-US" altLang="en-US" dirty="0" err="1"/>
               <a:t>len</a:t>
             </a:r>
             <a:r>
-              <a:rPr lang="en-US" altLang="en-US" b="1" dirty="0"/>
+              <a:rPr lang="en-US" altLang="en-US" dirty="0"/>
               <a:t>() </a:t>
             </a:r>
             <a:r>
@@ -34027,16 +33608,22 @@
               <a:t>b</a:t>
             </a:r>
             <a:r>
-              <a:rPr lang="en-US" altLang="en-US" dirty="0">
+              <a:rPr lang="en-US" altLang="en-US">
                 <a:ea typeface="Arial" charset="0"/>
               </a:rPr>
               <a:t>)</a:t>
             </a:r>
             <a:r>
+              <a:rPr lang="vi-VN" altLang="en-US">
+                <a:ea typeface="Arial" charset="0"/>
+              </a:rPr>
+              <a:t> </a:t>
+            </a:r>
+            <a:r>
               <a:rPr lang="vi-VN" altLang="en-US" dirty="0">
                 <a:ea typeface="Arial" charset="0"/>
               </a:rPr>
-              <a:t> Tính tổng các phần tử của Ma trận A.</a:t>
+              <a:t>Tính tổng các phần tử của Ma trận A.</a:t>
             </a:r>
           </a:p>
           <a:p>
@@ -35652,8 +35239,8 @@
         </p:nvSpPr>
         <p:spPr>
           <a:xfrm>
-            <a:off x="392626" y="1371601"/>
-            <a:ext cx="11406748" cy="4876800"/>
+            <a:off x="392626" y="1644241"/>
+            <a:ext cx="11406748" cy="4604159"/>
           </a:xfrm>
         </p:spPr>
         <p:txBody>
@@ -35677,15 +35264,7 @@
             </a:r>
             <a:r>
               <a:rPr lang="vi-VN" altLang="en-US" dirty="0"/>
-              <a:t>append(element): Thêm phần tử element vào </a:t>
-            </a:r>
-            <a:r>
-              <a:rPr lang="vi-VN" altLang="en-US" b="1" dirty="0"/>
-              <a:t>cuối list</a:t>
-            </a:r>
-            <a:r>
-              <a:rPr lang="vi-VN" altLang="en-US" dirty="0"/>
-              <a:t>.</a:t>
+              <a:t>append(element): Thêm phần tử element vào cuối list.</a:t>
             </a:r>
           </a:p>
           <a:p>
@@ -35731,15 +35310,7 @@
             </a:r>
             <a:r>
               <a:rPr lang="vi-VN" altLang="en-US" dirty="0"/>
-              <a:t>pop(index): Xóa phần tử ở vị trí có chỉ số index khỏi list </a:t>
-            </a:r>
-            <a:r>
-              <a:rPr lang="vi-VN" altLang="en-US" b="1" dirty="0"/>
-              <a:t>và trả về giá trị của phần tử bị xóa</a:t>
-            </a:r>
-            <a:r>
-              <a:rPr lang="vi-VN" altLang="en-US" dirty="0"/>
-              <a:t>.</a:t>
+              <a:t>pop(index): Xóa phần tử ở vị trí có chỉ số index khỏi list và trả về giá trị của phần tử bị xóa.</a:t>
             </a:r>
           </a:p>
           <a:p>
@@ -37049,15 +36620,7 @@
           <a:p>
             <a:r>
               <a:rPr lang="vi-VN" altLang="en-US" dirty="0"/>
-              <a:t>List comprehension là một cú pháp trong Python cho phép </a:t>
-            </a:r>
-            <a:r>
-              <a:rPr lang="vi-VN" altLang="en-US" b="1" dirty="0"/>
-              <a:t>tạo danh sách mới </a:t>
-            </a:r>
-            <a:r>
-              <a:rPr lang="vi-VN" altLang="en-US" dirty="0"/>
-              <a:t>bằng cách áp dụng biểu thức lên các phần tử của một iterable. Nó cung cấp một cách ngắn gọn và mạnh mẽ để thực hiện các thao tác biến đổi và lọc dữ liệu trên danh sách.</a:t>
+              <a:t>List comprehension là một cú pháp trong Python cho phép tạo danh sách mới bằng cách áp dụng biểu thức lên các phần tử của một iterable. Nó cung cấp một cách ngắn gọn và mạnh mẽ để thực hiện các thao tác biến đổi và lọc dữ liệu trên danh sách.</a:t>
             </a:r>
             <a:endParaRPr lang="en-US" altLang="en-US" dirty="0"/>
           </a:p>

--- a/Lab 6 + 7/Lab 6 bài giảng.pptx
+++ b/Lab 6 + 7/Lab 6 bài giảng.pptx
@@ -205,7 +205,7 @@
 
 <file path=ppt/commentAuthors.xml><?xml version="1.0" encoding="utf-8"?>
 <p:cmAuthorLst xmlns:a="http://schemas.openxmlformats.org/drawingml/2006/main" xmlns:r="http://schemas.openxmlformats.org/officeDocument/2006/relationships" xmlns:p="http://schemas.openxmlformats.org/presentationml/2006/main">
-  <p:cmAuthor id="1" name="Hang Anh Le" initials="HAL" lastIdx="1" clrIdx="0">
+  <p:cmAuthor id="1" name="Hang Anh Le" initials="HAL" lastIdx="2" clrIdx="0">
     <p:extLst>
       <p:ext uri="{19B8F6BF-5375-455C-9EA6-DF929625EA0E}">
         <p15:presenceInfo xmlns:p15="http://schemas.microsoft.com/office/powerpoint/2012/main" userId="afddc9ce3bd7fde8" providerId="Windows Live"/>
@@ -259,6 +259,37 @@
             <pc:docMk/>
             <pc:sldMk cId="3286310913" sldId="353"/>
             <ac:spMk id="4" creationId="{4BA7B324-7FB3-4CE7-81CC-8038EF957C79}"/>
+          </ac:spMkLst>
+        </pc:spChg>
+      </pc:sldChg>
+    </pc:docChg>
+  </pc:docChgLst>
+  <pc:docChgLst>
+    <pc:chgData name="Hang Anh Le" userId="afddc9ce3bd7fde8" providerId="LiveId" clId="{D6C23DEA-4D11-4FB5-AB89-2662A71735F1}"/>
+    <pc:docChg chg="custSel modSld">
+      <pc:chgData name="Hang Anh Le" userId="afddc9ce3bd7fde8" providerId="LiveId" clId="{D6C23DEA-4D11-4FB5-AB89-2662A71735F1}" dt="2024-05-03T01:18:15.019" v="2" actId="20577"/>
+      <pc:docMkLst>
+        <pc:docMk/>
+      </pc:docMkLst>
+      <pc:sldChg chg="addCm delCm">
+        <pc:chgData name="Hang Anh Le" userId="afddc9ce3bd7fde8" providerId="LiveId" clId="{D6C23DEA-4D11-4FB5-AB89-2662A71735F1}" dt="2024-05-03T00:18:41.614" v="1" actId="1592"/>
+        <pc:sldMkLst>
+          <pc:docMk/>
+          <pc:sldMk cId="1340241307" sldId="319"/>
+        </pc:sldMkLst>
+      </pc:sldChg>
+      <pc:sldChg chg="modSp mod">
+        <pc:chgData name="Hang Anh Le" userId="afddc9ce3bd7fde8" providerId="LiveId" clId="{D6C23DEA-4D11-4FB5-AB89-2662A71735F1}" dt="2024-05-03T01:18:15.019" v="2" actId="20577"/>
+        <pc:sldMkLst>
+          <pc:docMk/>
+          <pc:sldMk cId="1774957083" sldId="334"/>
+        </pc:sldMkLst>
+        <pc:spChg chg="mod">
+          <ac:chgData name="Hang Anh Le" userId="afddc9ce3bd7fde8" providerId="LiveId" clId="{D6C23DEA-4D11-4FB5-AB89-2662A71735F1}" dt="2024-05-03T01:18:15.019" v="2" actId="20577"/>
+          <ac:spMkLst>
+            <pc:docMk/>
+            <pc:sldMk cId="1774957083" sldId="334"/>
+            <ac:spMk id="3" creationId="{00000000-0000-0000-0000-000000000000}"/>
           </ac:spMkLst>
         </pc:spChg>
       </pc:sldChg>
@@ -17409,7 +17440,7 @@
               <a:rPr lang="en-US" altLang="en-US" dirty="0" err="1">
                 <a:ea typeface="Arial" charset="0"/>
               </a:rPr>
-              <a:t>choỗi</a:t>
+              <a:t>chuỗi</a:t>
             </a:r>
             <a:r>
               <a:rPr lang="en-US" altLang="en-US" dirty="0">

--- a/Lab 6 + 7/Lab 6 bài giảng.pptx
+++ b/Lab 6 + 7/Lab 6 bài giảng.pptx
@@ -267,7 +267,7 @@
   <pc:docChgLst>
     <pc:chgData name="Hang Anh Le" userId="afddc9ce3bd7fde8" providerId="LiveId" clId="{D6C23DEA-4D11-4FB5-AB89-2662A71735F1}"/>
     <pc:docChg chg="custSel modSld">
-      <pc:chgData name="Hang Anh Le" userId="afddc9ce3bd7fde8" providerId="LiveId" clId="{D6C23DEA-4D11-4FB5-AB89-2662A71735F1}" dt="2024-05-03T01:18:15.019" v="2" actId="20577"/>
+      <pc:chgData name="Hang Anh Le" userId="afddc9ce3bd7fde8" providerId="LiveId" clId="{D6C23DEA-4D11-4FB5-AB89-2662A71735F1}" dt="2024-05-04T01:34:53.591" v="7" actId="20577"/>
       <pc:docMkLst>
         <pc:docMk/>
       </pc:docMkLst>
@@ -289,6 +289,21 @@
           <ac:spMkLst>
             <pc:docMk/>
             <pc:sldMk cId="1774957083" sldId="334"/>
+            <ac:spMk id="3" creationId="{00000000-0000-0000-0000-000000000000}"/>
+          </ac:spMkLst>
+        </pc:spChg>
+      </pc:sldChg>
+      <pc:sldChg chg="modSp mod">
+        <pc:chgData name="Hang Anh Le" userId="afddc9ce3bd7fde8" providerId="LiveId" clId="{D6C23DEA-4D11-4FB5-AB89-2662A71735F1}" dt="2024-05-04T01:34:53.591" v="7" actId="20577"/>
+        <pc:sldMkLst>
+          <pc:docMk/>
+          <pc:sldMk cId="715408981" sldId="359"/>
+        </pc:sldMkLst>
+        <pc:spChg chg="mod">
+          <ac:chgData name="Hang Anh Le" userId="afddc9ce3bd7fde8" providerId="LiveId" clId="{D6C23DEA-4D11-4FB5-AB89-2662A71735F1}" dt="2024-05-04T01:34:53.591" v="7" actId="20577"/>
+          <ac:spMkLst>
+            <pc:docMk/>
+            <pc:sldMk cId="715408981" sldId="359"/>
             <ac:spMk id="3" creationId="{00000000-0000-0000-0000-000000000000}"/>
           </ac:spMkLst>
         </pc:spChg>
@@ -31541,7 +31556,25 @@
               <a:rPr lang="vi-VN" altLang="en-US" dirty="0">
                 <a:ea typeface="Arial" charset="0"/>
               </a:rPr>
-              <a:t>Viết chương trình sắp xếp tuple (name, age, score) theo thứ tự tăng dần, name là string, age và height là number. Tuple được nhập vào bởi người dùng. Tiêu chí sắp xếp là: </a:t>
+              <a:t>Viết chương trình sắp xếp tuple (name, age, score) theo thứ tự tăng dần, name là string, age và </a:t>
+            </a:r>
+            <a:r>
+              <a:rPr lang="en-US" altLang="en-US">
+                <a:ea typeface="Arial" charset="0"/>
+              </a:rPr>
+              <a:t>score</a:t>
+            </a:r>
+            <a:r>
+              <a:rPr lang="vi-VN" altLang="en-US">
+                <a:ea typeface="Arial" charset="0"/>
+              </a:rPr>
+              <a:t> </a:t>
+            </a:r>
+            <a:r>
+              <a:rPr lang="vi-VN" altLang="en-US" dirty="0">
+                <a:ea typeface="Arial" charset="0"/>
+              </a:rPr>
+              <a:t>là number. Tuple được nhập vào bởi người dùng. Tiêu chí sắp xếp là: </a:t>
             </a:r>
             <a:endParaRPr lang="en-US" altLang="en-US" dirty="0">
               <a:ea typeface="Arial" charset="0"/>
